--- a/ppt 16-9/1018.靠主得福.pptx
+++ b/ppt 16-9/1018.靠主得福.pptx
@@ -129,7 +129,7 @@
           <p:cNvPr id="2" name="标题 1">
             <a:extLst>
               <a:ext uri="{FF2B5EF4-FFF2-40B4-BE49-F238E27FC236}">
-                <a16:creationId xmlns:a16="http://schemas.microsoft.com/office/drawing/2014/main" id="{C8CACB03-62BC-CCC6-DCDE-897D054EAAB4}"/>
+                <a16:creationId xmlns:a16="http://schemas.microsoft.com/office/drawing/2014/main" id="{B97EE58E-6BC4-08B3-742E-B5A865AA3C72}"/>
               </a:ext>
             </a:extLst>
           </p:cNvPr>
@@ -166,7 +166,7 @@
           <p:cNvPr id="3" name="副标题 2">
             <a:extLst>
               <a:ext uri="{FF2B5EF4-FFF2-40B4-BE49-F238E27FC236}">
-                <a16:creationId xmlns:a16="http://schemas.microsoft.com/office/drawing/2014/main" id="{85C706E4-DA29-FA66-6B82-B473C2C566F9}"/>
+                <a16:creationId xmlns:a16="http://schemas.microsoft.com/office/drawing/2014/main" id="{506D1BA5-74D1-6A91-1B1A-08A3E1C58CC2}"/>
               </a:ext>
             </a:extLst>
           </p:cNvPr>
@@ -236,7 +236,7 @@
           <p:cNvPr id="4" name="日期占位符 3">
             <a:extLst>
               <a:ext uri="{FF2B5EF4-FFF2-40B4-BE49-F238E27FC236}">
-                <a16:creationId xmlns:a16="http://schemas.microsoft.com/office/drawing/2014/main" id="{7F1C3912-93A3-EBF3-AB9F-C1B6F17FC03E}"/>
+                <a16:creationId xmlns:a16="http://schemas.microsoft.com/office/drawing/2014/main" id="{8ACF6A7F-6344-55ED-F45B-EEE932CD36D3}"/>
               </a:ext>
             </a:extLst>
           </p:cNvPr>
@@ -252,7 +252,7 @@
           <a:bodyPr/>
           <a:lstStyle/>
           <a:p>
-            <a:fld id="{754FA68F-6DC2-4EED-8D53-88139F9467AD}" type="datetimeFigureOut">
+            <a:fld id="{5C56F8B9-26AD-4C47-8DC7-49F212C05ED6}" type="datetimeFigureOut">
               <a:rPr lang="zh-CN" altLang="en-US" smtClean="0"/>
               <a:t>2024/3/10</a:t>
             </a:fld>
@@ -265,7 +265,7 @@
           <p:cNvPr id="5" name="页脚占位符 4">
             <a:extLst>
               <a:ext uri="{FF2B5EF4-FFF2-40B4-BE49-F238E27FC236}">
-                <a16:creationId xmlns:a16="http://schemas.microsoft.com/office/drawing/2014/main" id="{765DA40B-D041-697B-2774-8085CDF2D52C}"/>
+                <a16:creationId xmlns:a16="http://schemas.microsoft.com/office/drawing/2014/main" id="{B955765D-D64A-5229-DE4E-1A244EC9CDCB}"/>
               </a:ext>
             </a:extLst>
           </p:cNvPr>
@@ -290,7 +290,7 @@
           <p:cNvPr id="6" name="灯片编号占位符 5">
             <a:extLst>
               <a:ext uri="{FF2B5EF4-FFF2-40B4-BE49-F238E27FC236}">
-                <a16:creationId xmlns:a16="http://schemas.microsoft.com/office/drawing/2014/main" id="{1078C6B7-7FDE-FDA8-18D7-44BEA7FF6408}"/>
+                <a16:creationId xmlns:a16="http://schemas.microsoft.com/office/drawing/2014/main" id="{70DA109D-3520-6D5B-09E7-7174B5FCF0D5}"/>
               </a:ext>
             </a:extLst>
           </p:cNvPr>
@@ -306,7 +306,7 @@
           <a:bodyPr/>
           <a:lstStyle/>
           <a:p>
-            <a:fld id="{9375C9CA-5254-4FBA-A789-D3A7ABF7D217}" type="slidenum">
+            <a:fld id="{C228B354-FACF-4BB6-B528-4391BC263128}" type="slidenum">
               <a:rPr lang="zh-CN" altLang="en-US" smtClean="0"/>
               <a:t>‹#›</a:t>
             </a:fld>
@@ -317,7 +317,7 @@
     </p:spTree>
     <p:extLst>
       <p:ext uri="{BB962C8B-B14F-4D97-AF65-F5344CB8AC3E}">
-        <p14:creationId xmlns:p14="http://schemas.microsoft.com/office/powerpoint/2010/main" val="807499057"/>
+        <p14:creationId xmlns:p14="http://schemas.microsoft.com/office/powerpoint/2010/main" val="2529549906"/>
       </p:ext>
     </p:extLst>
   </p:cSld>
@@ -349,7 +349,7 @@
           <p:cNvPr id="2" name="标题 1">
             <a:extLst>
               <a:ext uri="{FF2B5EF4-FFF2-40B4-BE49-F238E27FC236}">
-                <a16:creationId xmlns:a16="http://schemas.microsoft.com/office/drawing/2014/main" id="{1E68187D-D4B5-42FF-B871-E95F3598F357}"/>
+                <a16:creationId xmlns:a16="http://schemas.microsoft.com/office/drawing/2014/main" id="{35EC7F6B-636A-AD99-35D4-617B38D223FB}"/>
               </a:ext>
             </a:extLst>
           </p:cNvPr>
@@ -377,7 +377,7 @@
           <p:cNvPr id="3" name="竖排文字占位符 2">
             <a:extLst>
               <a:ext uri="{FF2B5EF4-FFF2-40B4-BE49-F238E27FC236}">
-                <a16:creationId xmlns:a16="http://schemas.microsoft.com/office/drawing/2014/main" id="{A9DE372E-B519-1F47-9C16-4064CEF81C71}"/>
+                <a16:creationId xmlns:a16="http://schemas.microsoft.com/office/drawing/2014/main" id="{A02D3EFC-82B3-3907-AEC6-1E8EFA8C448A}"/>
               </a:ext>
             </a:extLst>
           </p:cNvPr>
@@ -434,7 +434,7 @@
           <p:cNvPr id="4" name="日期占位符 3">
             <a:extLst>
               <a:ext uri="{FF2B5EF4-FFF2-40B4-BE49-F238E27FC236}">
-                <a16:creationId xmlns:a16="http://schemas.microsoft.com/office/drawing/2014/main" id="{19174921-3509-C0F5-0A7F-AE82EF1F5989}"/>
+                <a16:creationId xmlns:a16="http://schemas.microsoft.com/office/drawing/2014/main" id="{EEA047BE-333B-2E13-71CC-D97C3D9ADC4C}"/>
               </a:ext>
             </a:extLst>
           </p:cNvPr>
@@ -450,7 +450,7 @@
           <a:bodyPr/>
           <a:lstStyle/>
           <a:p>
-            <a:fld id="{754FA68F-6DC2-4EED-8D53-88139F9467AD}" type="datetimeFigureOut">
+            <a:fld id="{5C56F8B9-26AD-4C47-8DC7-49F212C05ED6}" type="datetimeFigureOut">
               <a:rPr lang="zh-CN" altLang="en-US" smtClean="0"/>
               <a:t>2024/3/10</a:t>
             </a:fld>
@@ -463,7 +463,7 @@
           <p:cNvPr id="5" name="页脚占位符 4">
             <a:extLst>
               <a:ext uri="{FF2B5EF4-FFF2-40B4-BE49-F238E27FC236}">
-                <a16:creationId xmlns:a16="http://schemas.microsoft.com/office/drawing/2014/main" id="{8FC36DD7-B983-6430-9736-1A457C338B8A}"/>
+                <a16:creationId xmlns:a16="http://schemas.microsoft.com/office/drawing/2014/main" id="{119B75D6-57E2-EE5A-9EA8-74D999FC8504}"/>
               </a:ext>
             </a:extLst>
           </p:cNvPr>
@@ -488,7 +488,7 @@
           <p:cNvPr id="6" name="灯片编号占位符 5">
             <a:extLst>
               <a:ext uri="{FF2B5EF4-FFF2-40B4-BE49-F238E27FC236}">
-                <a16:creationId xmlns:a16="http://schemas.microsoft.com/office/drawing/2014/main" id="{0A1405A5-A42C-0F8F-4C62-E2B65E6AACFE}"/>
+                <a16:creationId xmlns:a16="http://schemas.microsoft.com/office/drawing/2014/main" id="{F1745DEB-1AE8-BE79-E8B9-27A613862C1D}"/>
               </a:ext>
             </a:extLst>
           </p:cNvPr>
@@ -504,7 +504,7 @@
           <a:bodyPr/>
           <a:lstStyle/>
           <a:p>
-            <a:fld id="{9375C9CA-5254-4FBA-A789-D3A7ABF7D217}" type="slidenum">
+            <a:fld id="{C228B354-FACF-4BB6-B528-4391BC263128}" type="slidenum">
               <a:rPr lang="zh-CN" altLang="en-US" smtClean="0"/>
               <a:t>‹#›</a:t>
             </a:fld>
@@ -515,7 +515,7 @@
     </p:spTree>
     <p:extLst>
       <p:ext uri="{BB962C8B-B14F-4D97-AF65-F5344CB8AC3E}">
-        <p14:creationId xmlns:p14="http://schemas.microsoft.com/office/powerpoint/2010/main" val="1970376641"/>
+        <p14:creationId xmlns:p14="http://schemas.microsoft.com/office/powerpoint/2010/main" val="2490570073"/>
       </p:ext>
     </p:extLst>
   </p:cSld>
@@ -547,7 +547,7 @@
           <p:cNvPr id="2" name="竖排标题 1">
             <a:extLst>
               <a:ext uri="{FF2B5EF4-FFF2-40B4-BE49-F238E27FC236}">
-                <a16:creationId xmlns:a16="http://schemas.microsoft.com/office/drawing/2014/main" id="{4E35A1DF-B7E0-2439-2A32-17D7296EB128}"/>
+                <a16:creationId xmlns:a16="http://schemas.microsoft.com/office/drawing/2014/main" id="{34EC77F8-FB68-CEC4-007F-57D679DB171F}"/>
               </a:ext>
             </a:extLst>
           </p:cNvPr>
@@ -580,7 +580,7 @@
           <p:cNvPr id="3" name="竖排文字占位符 2">
             <a:extLst>
               <a:ext uri="{FF2B5EF4-FFF2-40B4-BE49-F238E27FC236}">
-                <a16:creationId xmlns:a16="http://schemas.microsoft.com/office/drawing/2014/main" id="{7E896F10-C47B-8042-103F-45737F8B59CD}"/>
+                <a16:creationId xmlns:a16="http://schemas.microsoft.com/office/drawing/2014/main" id="{E54A39A1-9028-C688-11B7-D409019ADF8F}"/>
               </a:ext>
             </a:extLst>
           </p:cNvPr>
@@ -642,7 +642,7 @@
           <p:cNvPr id="4" name="日期占位符 3">
             <a:extLst>
               <a:ext uri="{FF2B5EF4-FFF2-40B4-BE49-F238E27FC236}">
-                <a16:creationId xmlns:a16="http://schemas.microsoft.com/office/drawing/2014/main" id="{D1B07B9C-3A6D-4354-A40E-066E752D4A4E}"/>
+                <a16:creationId xmlns:a16="http://schemas.microsoft.com/office/drawing/2014/main" id="{D76B762C-D0F8-5DE8-D7DF-0CBBC2797C2B}"/>
               </a:ext>
             </a:extLst>
           </p:cNvPr>
@@ -658,7 +658,7 @@
           <a:bodyPr/>
           <a:lstStyle/>
           <a:p>
-            <a:fld id="{754FA68F-6DC2-4EED-8D53-88139F9467AD}" type="datetimeFigureOut">
+            <a:fld id="{5C56F8B9-26AD-4C47-8DC7-49F212C05ED6}" type="datetimeFigureOut">
               <a:rPr lang="zh-CN" altLang="en-US" smtClean="0"/>
               <a:t>2024/3/10</a:t>
             </a:fld>
@@ -671,7 +671,7 @@
           <p:cNvPr id="5" name="页脚占位符 4">
             <a:extLst>
               <a:ext uri="{FF2B5EF4-FFF2-40B4-BE49-F238E27FC236}">
-                <a16:creationId xmlns:a16="http://schemas.microsoft.com/office/drawing/2014/main" id="{FCAB2210-45EC-946B-08D1-A606856B01EB}"/>
+                <a16:creationId xmlns:a16="http://schemas.microsoft.com/office/drawing/2014/main" id="{CE8B88A8-BCD0-F946-C846-C505FAB57045}"/>
               </a:ext>
             </a:extLst>
           </p:cNvPr>
@@ -696,7 +696,7 @@
           <p:cNvPr id="6" name="灯片编号占位符 5">
             <a:extLst>
               <a:ext uri="{FF2B5EF4-FFF2-40B4-BE49-F238E27FC236}">
-                <a16:creationId xmlns:a16="http://schemas.microsoft.com/office/drawing/2014/main" id="{D74AEA8A-A47D-859A-9553-B339C4FB778A}"/>
+                <a16:creationId xmlns:a16="http://schemas.microsoft.com/office/drawing/2014/main" id="{70CD07A3-59C6-843B-6AEA-2A61B3F20F06}"/>
               </a:ext>
             </a:extLst>
           </p:cNvPr>
@@ -712,7 +712,7 @@
           <a:bodyPr/>
           <a:lstStyle/>
           <a:p>
-            <a:fld id="{9375C9CA-5254-4FBA-A789-D3A7ABF7D217}" type="slidenum">
+            <a:fld id="{C228B354-FACF-4BB6-B528-4391BC263128}" type="slidenum">
               <a:rPr lang="zh-CN" altLang="en-US" smtClean="0"/>
               <a:t>‹#›</a:t>
             </a:fld>
@@ -723,7 +723,7 @@
     </p:spTree>
     <p:extLst>
       <p:ext uri="{BB962C8B-B14F-4D97-AF65-F5344CB8AC3E}">
-        <p14:creationId xmlns:p14="http://schemas.microsoft.com/office/powerpoint/2010/main" val="3738814405"/>
+        <p14:creationId xmlns:p14="http://schemas.microsoft.com/office/powerpoint/2010/main" val="500787195"/>
       </p:ext>
     </p:extLst>
   </p:cSld>
@@ -755,7 +755,7 @@
           <p:cNvPr id="2" name="标题 1">
             <a:extLst>
               <a:ext uri="{FF2B5EF4-FFF2-40B4-BE49-F238E27FC236}">
-                <a16:creationId xmlns:a16="http://schemas.microsoft.com/office/drawing/2014/main" id="{8372519A-1D88-0987-A027-213BFA34AEA6}"/>
+                <a16:creationId xmlns:a16="http://schemas.microsoft.com/office/drawing/2014/main" id="{C80E6D63-768D-6188-0956-D92CFEF447D7}"/>
               </a:ext>
             </a:extLst>
           </p:cNvPr>
@@ -783,7 +783,7 @@
           <p:cNvPr id="3" name="内容占位符 2">
             <a:extLst>
               <a:ext uri="{FF2B5EF4-FFF2-40B4-BE49-F238E27FC236}">
-                <a16:creationId xmlns:a16="http://schemas.microsoft.com/office/drawing/2014/main" id="{ECA18907-C74B-970F-1E0F-B6D24D7DFA31}"/>
+                <a16:creationId xmlns:a16="http://schemas.microsoft.com/office/drawing/2014/main" id="{E3A3F07E-31E5-EBFC-8997-EDFB667E5662}"/>
               </a:ext>
             </a:extLst>
           </p:cNvPr>
@@ -840,7 +840,7 @@
           <p:cNvPr id="4" name="日期占位符 3">
             <a:extLst>
               <a:ext uri="{FF2B5EF4-FFF2-40B4-BE49-F238E27FC236}">
-                <a16:creationId xmlns:a16="http://schemas.microsoft.com/office/drawing/2014/main" id="{C20D47DC-B6D9-DC92-EF80-B5A0E3C35C02}"/>
+                <a16:creationId xmlns:a16="http://schemas.microsoft.com/office/drawing/2014/main" id="{A1D7B473-1A0D-3F15-50A1-C6E426E39BD8}"/>
               </a:ext>
             </a:extLst>
           </p:cNvPr>
@@ -856,7 +856,7 @@
           <a:bodyPr/>
           <a:lstStyle/>
           <a:p>
-            <a:fld id="{754FA68F-6DC2-4EED-8D53-88139F9467AD}" type="datetimeFigureOut">
+            <a:fld id="{5C56F8B9-26AD-4C47-8DC7-49F212C05ED6}" type="datetimeFigureOut">
               <a:rPr lang="zh-CN" altLang="en-US" smtClean="0"/>
               <a:t>2024/3/10</a:t>
             </a:fld>
@@ -869,7 +869,7 @@
           <p:cNvPr id="5" name="页脚占位符 4">
             <a:extLst>
               <a:ext uri="{FF2B5EF4-FFF2-40B4-BE49-F238E27FC236}">
-                <a16:creationId xmlns:a16="http://schemas.microsoft.com/office/drawing/2014/main" id="{44D93BFC-29C8-6CCA-8917-24D4C8B6678B}"/>
+                <a16:creationId xmlns:a16="http://schemas.microsoft.com/office/drawing/2014/main" id="{59BCEAD1-2A90-027A-507B-6D3F1D1A34E5}"/>
               </a:ext>
             </a:extLst>
           </p:cNvPr>
@@ -894,7 +894,7 @@
           <p:cNvPr id="6" name="灯片编号占位符 5">
             <a:extLst>
               <a:ext uri="{FF2B5EF4-FFF2-40B4-BE49-F238E27FC236}">
-                <a16:creationId xmlns:a16="http://schemas.microsoft.com/office/drawing/2014/main" id="{608A3F35-E2E5-A837-E292-D552CFB4C27D}"/>
+                <a16:creationId xmlns:a16="http://schemas.microsoft.com/office/drawing/2014/main" id="{2F6ADB0D-72FC-75E3-D34C-862F030694A0}"/>
               </a:ext>
             </a:extLst>
           </p:cNvPr>
@@ -910,7 +910,7 @@
           <a:bodyPr/>
           <a:lstStyle/>
           <a:p>
-            <a:fld id="{9375C9CA-5254-4FBA-A789-D3A7ABF7D217}" type="slidenum">
+            <a:fld id="{C228B354-FACF-4BB6-B528-4391BC263128}" type="slidenum">
               <a:rPr lang="zh-CN" altLang="en-US" smtClean="0"/>
               <a:t>‹#›</a:t>
             </a:fld>
@@ -921,7 +921,7 @@
     </p:spTree>
     <p:extLst>
       <p:ext uri="{BB962C8B-B14F-4D97-AF65-F5344CB8AC3E}">
-        <p14:creationId xmlns:p14="http://schemas.microsoft.com/office/powerpoint/2010/main" val="1255195589"/>
+        <p14:creationId xmlns:p14="http://schemas.microsoft.com/office/powerpoint/2010/main" val="3037320967"/>
       </p:ext>
     </p:extLst>
   </p:cSld>
@@ -953,7 +953,7 @@
           <p:cNvPr id="2" name="标题 1">
             <a:extLst>
               <a:ext uri="{FF2B5EF4-FFF2-40B4-BE49-F238E27FC236}">
-                <a16:creationId xmlns:a16="http://schemas.microsoft.com/office/drawing/2014/main" id="{08AA1DC8-1125-1C9A-40C4-C331B23725E8}"/>
+                <a16:creationId xmlns:a16="http://schemas.microsoft.com/office/drawing/2014/main" id="{895574F5-C7C3-BFC8-568E-44518160864D}"/>
               </a:ext>
             </a:extLst>
           </p:cNvPr>
@@ -990,7 +990,7 @@
           <p:cNvPr id="3" name="文本占位符 2">
             <a:extLst>
               <a:ext uri="{FF2B5EF4-FFF2-40B4-BE49-F238E27FC236}">
-                <a16:creationId xmlns:a16="http://schemas.microsoft.com/office/drawing/2014/main" id="{C2B3A593-F383-6530-4994-47CB23076502}"/>
+                <a16:creationId xmlns:a16="http://schemas.microsoft.com/office/drawing/2014/main" id="{1B0A4EF2-1B9A-9934-03BE-D2023007515A}"/>
               </a:ext>
             </a:extLst>
           </p:cNvPr>
@@ -1115,7 +1115,7 @@
           <p:cNvPr id="4" name="日期占位符 3">
             <a:extLst>
               <a:ext uri="{FF2B5EF4-FFF2-40B4-BE49-F238E27FC236}">
-                <a16:creationId xmlns:a16="http://schemas.microsoft.com/office/drawing/2014/main" id="{98DE337B-D8EB-9731-B718-CD35C7B05B63}"/>
+                <a16:creationId xmlns:a16="http://schemas.microsoft.com/office/drawing/2014/main" id="{2A79B67F-C4CE-D510-79B2-8668B671CC76}"/>
               </a:ext>
             </a:extLst>
           </p:cNvPr>
@@ -1131,7 +1131,7 @@
           <a:bodyPr/>
           <a:lstStyle/>
           <a:p>
-            <a:fld id="{754FA68F-6DC2-4EED-8D53-88139F9467AD}" type="datetimeFigureOut">
+            <a:fld id="{5C56F8B9-26AD-4C47-8DC7-49F212C05ED6}" type="datetimeFigureOut">
               <a:rPr lang="zh-CN" altLang="en-US" smtClean="0"/>
               <a:t>2024/3/10</a:t>
             </a:fld>
@@ -1144,7 +1144,7 @@
           <p:cNvPr id="5" name="页脚占位符 4">
             <a:extLst>
               <a:ext uri="{FF2B5EF4-FFF2-40B4-BE49-F238E27FC236}">
-                <a16:creationId xmlns:a16="http://schemas.microsoft.com/office/drawing/2014/main" id="{5E5AA32D-E501-4B4A-9216-27B303109660}"/>
+                <a16:creationId xmlns:a16="http://schemas.microsoft.com/office/drawing/2014/main" id="{4271E9F2-BDB3-5A7E-435C-74548FED2993}"/>
               </a:ext>
             </a:extLst>
           </p:cNvPr>
@@ -1169,7 +1169,7 @@
           <p:cNvPr id="6" name="灯片编号占位符 5">
             <a:extLst>
               <a:ext uri="{FF2B5EF4-FFF2-40B4-BE49-F238E27FC236}">
-                <a16:creationId xmlns:a16="http://schemas.microsoft.com/office/drawing/2014/main" id="{7144A423-61A9-B2EC-24E3-48F9464BC2A7}"/>
+                <a16:creationId xmlns:a16="http://schemas.microsoft.com/office/drawing/2014/main" id="{3E49962E-CF27-FE8A-841A-D8FF2F55E7D3}"/>
               </a:ext>
             </a:extLst>
           </p:cNvPr>
@@ -1185,7 +1185,7 @@
           <a:bodyPr/>
           <a:lstStyle/>
           <a:p>
-            <a:fld id="{9375C9CA-5254-4FBA-A789-D3A7ABF7D217}" type="slidenum">
+            <a:fld id="{C228B354-FACF-4BB6-B528-4391BC263128}" type="slidenum">
               <a:rPr lang="zh-CN" altLang="en-US" smtClean="0"/>
               <a:t>‹#›</a:t>
             </a:fld>
@@ -1196,7 +1196,7 @@
     </p:spTree>
     <p:extLst>
       <p:ext uri="{BB962C8B-B14F-4D97-AF65-F5344CB8AC3E}">
-        <p14:creationId xmlns:p14="http://schemas.microsoft.com/office/powerpoint/2010/main" val="1850389034"/>
+        <p14:creationId xmlns:p14="http://schemas.microsoft.com/office/powerpoint/2010/main" val="3536437498"/>
       </p:ext>
     </p:extLst>
   </p:cSld>
@@ -1228,7 +1228,7 @@
           <p:cNvPr id="2" name="标题 1">
             <a:extLst>
               <a:ext uri="{FF2B5EF4-FFF2-40B4-BE49-F238E27FC236}">
-                <a16:creationId xmlns:a16="http://schemas.microsoft.com/office/drawing/2014/main" id="{6C469B09-1671-AFEC-D760-334D5F207F85}"/>
+                <a16:creationId xmlns:a16="http://schemas.microsoft.com/office/drawing/2014/main" id="{03CA6696-A7E2-0123-09ED-C34616AD30A9}"/>
               </a:ext>
             </a:extLst>
           </p:cNvPr>
@@ -1256,7 +1256,7 @@
           <p:cNvPr id="3" name="内容占位符 2">
             <a:extLst>
               <a:ext uri="{FF2B5EF4-FFF2-40B4-BE49-F238E27FC236}">
-                <a16:creationId xmlns:a16="http://schemas.microsoft.com/office/drawing/2014/main" id="{2F67611B-89F1-E32E-7BC6-FF4194C3A668}"/>
+                <a16:creationId xmlns:a16="http://schemas.microsoft.com/office/drawing/2014/main" id="{8F715E84-E3EB-4E1C-F1E8-5B1F656E82A4}"/>
               </a:ext>
             </a:extLst>
           </p:cNvPr>
@@ -1318,7 +1318,7 @@
           <p:cNvPr id="4" name="内容占位符 3">
             <a:extLst>
               <a:ext uri="{FF2B5EF4-FFF2-40B4-BE49-F238E27FC236}">
-                <a16:creationId xmlns:a16="http://schemas.microsoft.com/office/drawing/2014/main" id="{774DF0EE-B524-6240-7C03-21A6F28EFD67}"/>
+                <a16:creationId xmlns:a16="http://schemas.microsoft.com/office/drawing/2014/main" id="{C0E5FE8F-CAC0-FC12-A724-B8546F2599CA}"/>
               </a:ext>
             </a:extLst>
           </p:cNvPr>
@@ -1380,7 +1380,7 @@
           <p:cNvPr id="5" name="日期占位符 4">
             <a:extLst>
               <a:ext uri="{FF2B5EF4-FFF2-40B4-BE49-F238E27FC236}">
-                <a16:creationId xmlns:a16="http://schemas.microsoft.com/office/drawing/2014/main" id="{F4150AE6-6F70-5576-9313-621CA2C4A8CA}"/>
+                <a16:creationId xmlns:a16="http://schemas.microsoft.com/office/drawing/2014/main" id="{50AFF637-EA15-6D27-5456-0CE57C58AB0F}"/>
               </a:ext>
             </a:extLst>
           </p:cNvPr>
@@ -1396,7 +1396,7 @@
           <a:bodyPr/>
           <a:lstStyle/>
           <a:p>
-            <a:fld id="{754FA68F-6DC2-4EED-8D53-88139F9467AD}" type="datetimeFigureOut">
+            <a:fld id="{5C56F8B9-26AD-4C47-8DC7-49F212C05ED6}" type="datetimeFigureOut">
               <a:rPr lang="zh-CN" altLang="en-US" smtClean="0"/>
               <a:t>2024/3/10</a:t>
             </a:fld>
@@ -1409,7 +1409,7 @@
           <p:cNvPr id="6" name="页脚占位符 5">
             <a:extLst>
               <a:ext uri="{FF2B5EF4-FFF2-40B4-BE49-F238E27FC236}">
-                <a16:creationId xmlns:a16="http://schemas.microsoft.com/office/drawing/2014/main" id="{1EBA9B02-53E3-F683-8B45-101DFCAD2B85}"/>
+                <a16:creationId xmlns:a16="http://schemas.microsoft.com/office/drawing/2014/main" id="{5125B573-6AA0-6693-E6EB-C3ECA1DE8CCE}"/>
               </a:ext>
             </a:extLst>
           </p:cNvPr>
@@ -1434,7 +1434,7 @@
           <p:cNvPr id="7" name="灯片编号占位符 6">
             <a:extLst>
               <a:ext uri="{FF2B5EF4-FFF2-40B4-BE49-F238E27FC236}">
-                <a16:creationId xmlns:a16="http://schemas.microsoft.com/office/drawing/2014/main" id="{92EE7C5C-FDED-8790-CDF6-6F9C978AE12C}"/>
+                <a16:creationId xmlns:a16="http://schemas.microsoft.com/office/drawing/2014/main" id="{A3E17114-DAD0-527C-8A37-BC88C1D8608F}"/>
               </a:ext>
             </a:extLst>
           </p:cNvPr>
@@ -1450,7 +1450,7 @@
           <a:bodyPr/>
           <a:lstStyle/>
           <a:p>
-            <a:fld id="{9375C9CA-5254-4FBA-A789-D3A7ABF7D217}" type="slidenum">
+            <a:fld id="{C228B354-FACF-4BB6-B528-4391BC263128}" type="slidenum">
               <a:rPr lang="zh-CN" altLang="en-US" smtClean="0"/>
               <a:t>‹#›</a:t>
             </a:fld>
@@ -1461,7 +1461,7 @@
     </p:spTree>
     <p:extLst>
       <p:ext uri="{BB962C8B-B14F-4D97-AF65-F5344CB8AC3E}">
-        <p14:creationId xmlns:p14="http://schemas.microsoft.com/office/powerpoint/2010/main" val="2471711070"/>
+        <p14:creationId xmlns:p14="http://schemas.microsoft.com/office/powerpoint/2010/main" val="2282683812"/>
       </p:ext>
     </p:extLst>
   </p:cSld>
@@ -1493,7 +1493,7 @@
           <p:cNvPr id="2" name="标题 1">
             <a:extLst>
               <a:ext uri="{FF2B5EF4-FFF2-40B4-BE49-F238E27FC236}">
-                <a16:creationId xmlns:a16="http://schemas.microsoft.com/office/drawing/2014/main" id="{581848BF-77EA-BB15-12B9-C58C5FD640E7}"/>
+                <a16:creationId xmlns:a16="http://schemas.microsoft.com/office/drawing/2014/main" id="{E6BC1BCF-2261-A924-02B8-EB46847FAEC9}"/>
               </a:ext>
             </a:extLst>
           </p:cNvPr>
@@ -1526,7 +1526,7 @@
           <p:cNvPr id="3" name="文本占位符 2">
             <a:extLst>
               <a:ext uri="{FF2B5EF4-FFF2-40B4-BE49-F238E27FC236}">
-                <a16:creationId xmlns:a16="http://schemas.microsoft.com/office/drawing/2014/main" id="{A0FFE8CA-EBD6-3583-8224-2F0823BBB306}"/>
+                <a16:creationId xmlns:a16="http://schemas.microsoft.com/office/drawing/2014/main" id="{229EA482-FA01-CAE3-F3B4-52F7EC72BAF8}"/>
               </a:ext>
             </a:extLst>
           </p:cNvPr>
@@ -1597,7 +1597,7 @@
           <p:cNvPr id="4" name="内容占位符 3">
             <a:extLst>
               <a:ext uri="{FF2B5EF4-FFF2-40B4-BE49-F238E27FC236}">
-                <a16:creationId xmlns:a16="http://schemas.microsoft.com/office/drawing/2014/main" id="{8CA2B1A9-64AB-1169-143C-B76ECE22A60C}"/>
+                <a16:creationId xmlns:a16="http://schemas.microsoft.com/office/drawing/2014/main" id="{E29E359E-9E68-917F-6629-1499CE1071F6}"/>
               </a:ext>
             </a:extLst>
           </p:cNvPr>
@@ -1659,7 +1659,7 @@
           <p:cNvPr id="5" name="文本占位符 4">
             <a:extLst>
               <a:ext uri="{FF2B5EF4-FFF2-40B4-BE49-F238E27FC236}">
-                <a16:creationId xmlns:a16="http://schemas.microsoft.com/office/drawing/2014/main" id="{9EB9FF4A-8A2B-215A-F80C-FBCBC787C7B4}"/>
+                <a16:creationId xmlns:a16="http://schemas.microsoft.com/office/drawing/2014/main" id="{80DE11C9-0DDB-CDDB-D89A-59FD3A90594A}"/>
               </a:ext>
             </a:extLst>
           </p:cNvPr>
@@ -1730,7 +1730,7 @@
           <p:cNvPr id="6" name="内容占位符 5">
             <a:extLst>
               <a:ext uri="{FF2B5EF4-FFF2-40B4-BE49-F238E27FC236}">
-                <a16:creationId xmlns:a16="http://schemas.microsoft.com/office/drawing/2014/main" id="{EDD3324E-B5C8-69C7-CEE0-0567E1D246C6}"/>
+                <a16:creationId xmlns:a16="http://schemas.microsoft.com/office/drawing/2014/main" id="{E7FD773E-2E18-2146-C553-A12515B2C5B6}"/>
               </a:ext>
             </a:extLst>
           </p:cNvPr>
@@ -1792,7 +1792,7 @@
           <p:cNvPr id="7" name="日期占位符 6">
             <a:extLst>
               <a:ext uri="{FF2B5EF4-FFF2-40B4-BE49-F238E27FC236}">
-                <a16:creationId xmlns:a16="http://schemas.microsoft.com/office/drawing/2014/main" id="{77500228-4EE5-16BA-4C64-974C6483831D}"/>
+                <a16:creationId xmlns:a16="http://schemas.microsoft.com/office/drawing/2014/main" id="{C0DD8DB5-6614-7959-B52F-AB571DE21DFA}"/>
               </a:ext>
             </a:extLst>
           </p:cNvPr>
@@ -1808,7 +1808,7 @@
           <a:bodyPr/>
           <a:lstStyle/>
           <a:p>
-            <a:fld id="{754FA68F-6DC2-4EED-8D53-88139F9467AD}" type="datetimeFigureOut">
+            <a:fld id="{5C56F8B9-26AD-4C47-8DC7-49F212C05ED6}" type="datetimeFigureOut">
               <a:rPr lang="zh-CN" altLang="en-US" smtClean="0"/>
               <a:t>2024/3/10</a:t>
             </a:fld>
@@ -1821,7 +1821,7 @@
           <p:cNvPr id="8" name="页脚占位符 7">
             <a:extLst>
               <a:ext uri="{FF2B5EF4-FFF2-40B4-BE49-F238E27FC236}">
-                <a16:creationId xmlns:a16="http://schemas.microsoft.com/office/drawing/2014/main" id="{08C6ECA0-D312-3D8B-2F38-2BD933AECE72}"/>
+                <a16:creationId xmlns:a16="http://schemas.microsoft.com/office/drawing/2014/main" id="{44DDDBB5-1D3E-BCCC-3BCD-4853CCAE3D09}"/>
               </a:ext>
             </a:extLst>
           </p:cNvPr>
@@ -1846,7 +1846,7 @@
           <p:cNvPr id="9" name="灯片编号占位符 8">
             <a:extLst>
               <a:ext uri="{FF2B5EF4-FFF2-40B4-BE49-F238E27FC236}">
-                <a16:creationId xmlns:a16="http://schemas.microsoft.com/office/drawing/2014/main" id="{96B04F1F-920F-19AD-6E30-FE575EF9DFD9}"/>
+                <a16:creationId xmlns:a16="http://schemas.microsoft.com/office/drawing/2014/main" id="{B24A0633-386D-C9AC-42B7-B836F53638AA}"/>
               </a:ext>
             </a:extLst>
           </p:cNvPr>
@@ -1862,7 +1862,7 @@
           <a:bodyPr/>
           <a:lstStyle/>
           <a:p>
-            <a:fld id="{9375C9CA-5254-4FBA-A789-D3A7ABF7D217}" type="slidenum">
+            <a:fld id="{C228B354-FACF-4BB6-B528-4391BC263128}" type="slidenum">
               <a:rPr lang="zh-CN" altLang="en-US" smtClean="0"/>
               <a:t>‹#›</a:t>
             </a:fld>
@@ -1873,7 +1873,7 @@
     </p:spTree>
     <p:extLst>
       <p:ext uri="{BB962C8B-B14F-4D97-AF65-F5344CB8AC3E}">
-        <p14:creationId xmlns:p14="http://schemas.microsoft.com/office/powerpoint/2010/main" val="11719119"/>
+        <p14:creationId xmlns:p14="http://schemas.microsoft.com/office/powerpoint/2010/main" val="870317477"/>
       </p:ext>
     </p:extLst>
   </p:cSld>
@@ -1905,7 +1905,7 @@
           <p:cNvPr id="2" name="标题 1">
             <a:extLst>
               <a:ext uri="{FF2B5EF4-FFF2-40B4-BE49-F238E27FC236}">
-                <a16:creationId xmlns:a16="http://schemas.microsoft.com/office/drawing/2014/main" id="{2B5347DF-AAE5-52E3-E187-5A5343A71EBE}"/>
+                <a16:creationId xmlns:a16="http://schemas.microsoft.com/office/drawing/2014/main" id="{FF3E186F-2316-BC4A-15D9-3345249DB86D}"/>
               </a:ext>
             </a:extLst>
           </p:cNvPr>
@@ -1933,7 +1933,7 @@
           <p:cNvPr id="3" name="日期占位符 2">
             <a:extLst>
               <a:ext uri="{FF2B5EF4-FFF2-40B4-BE49-F238E27FC236}">
-                <a16:creationId xmlns:a16="http://schemas.microsoft.com/office/drawing/2014/main" id="{0297017F-E8FC-827F-9105-C5EA353B6C3B}"/>
+                <a16:creationId xmlns:a16="http://schemas.microsoft.com/office/drawing/2014/main" id="{567E25C9-4E68-9049-9613-388EA51F37B3}"/>
               </a:ext>
             </a:extLst>
           </p:cNvPr>
@@ -1949,7 +1949,7 @@
           <a:bodyPr/>
           <a:lstStyle/>
           <a:p>
-            <a:fld id="{754FA68F-6DC2-4EED-8D53-88139F9467AD}" type="datetimeFigureOut">
+            <a:fld id="{5C56F8B9-26AD-4C47-8DC7-49F212C05ED6}" type="datetimeFigureOut">
               <a:rPr lang="zh-CN" altLang="en-US" smtClean="0"/>
               <a:t>2024/3/10</a:t>
             </a:fld>
@@ -1962,7 +1962,7 @@
           <p:cNvPr id="4" name="页脚占位符 3">
             <a:extLst>
               <a:ext uri="{FF2B5EF4-FFF2-40B4-BE49-F238E27FC236}">
-                <a16:creationId xmlns:a16="http://schemas.microsoft.com/office/drawing/2014/main" id="{8D560475-6645-85A5-E457-8AA691B9FD7B}"/>
+                <a16:creationId xmlns:a16="http://schemas.microsoft.com/office/drawing/2014/main" id="{568CA868-EE3C-3D76-80E0-F3849D922C09}"/>
               </a:ext>
             </a:extLst>
           </p:cNvPr>
@@ -1987,7 +1987,7 @@
           <p:cNvPr id="5" name="灯片编号占位符 4">
             <a:extLst>
               <a:ext uri="{FF2B5EF4-FFF2-40B4-BE49-F238E27FC236}">
-                <a16:creationId xmlns:a16="http://schemas.microsoft.com/office/drawing/2014/main" id="{10C53F55-3734-D9D8-1D80-F339FF6B6419}"/>
+                <a16:creationId xmlns:a16="http://schemas.microsoft.com/office/drawing/2014/main" id="{2FABB03A-C0D9-FB58-B870-BB2788DEC494}"/>
               </a:ext>
             </a:extLst>
           </p:cNvPr>
@@ -2003,7 +2003,7 @@
           <a:bodyPr/>
           <a:lstStyle/>
           <a:p>
-            <a:fld id="{9375C9CA-5254-4FBA-A789-D3A7ABF7D217}" type="slidenum">
+            <a:fld id="{C228B354-FACF-4BB6-B528-4391BC263128}" type="slidenum">
               <a:rPr lang="zh-CN" altLang="en-US" smtClean="0"/>
               <a:t>‹#›</a:t>
             </a:fld>
@@ -2014,7 +2014,7 @@
     </p:spTree>
     <p:extLst>
       <p:ext uri="{BB962C8B-B14F-4D97-AF65-F5344CB8AC3E}">
-        <p14:creationId xmlns:p14="http://schemas.microsoft.com/office/powerpoint/2010/main" val="3961769014"/>
+        <p14:creationId xmlns:p14="http://schemas.microsoft.com/office/powerpoint/2010/main" val="2240299364"/>
       </p:ext>
     </p:extLst>
   </p:cSld>
@@ -2046,7 +2046,7 @@
           <p:cNvPr id="2" name="日期占位符 1">
             <a:extLst>
               <a:ext uri="{FF2B5EF4-FFF2-40B4-BE49-F238E27FC236}">
-                <a16:creationId xmlns:a16="http://schemas.microsoft.com/office/drawing/2014/main" id="{60B570B5-62B4-7506-CA1F-F3903F2DA44A}"/>
+                <a16:creationId xmlns:a16="http://schemas.microsoft.com/office/drawing/2014/main" id="{288D9485-7228-8BC0-70F2-892E823ACACD}"/>
               </a:ext>
             </a:extLst>
           </p:cNvPr>
@@ -2062,7 +2062,7 @@
           <a:bodyPr/>
           <a:lstStyle/>
           <a:p>
-            <a:fld id="{754FA68F-6DC2-4EED-8D53-88139F9467AD}" type="datetimeFigureOut">
+            <a:fld id="{5C56F8B9-26AD-4C47-8DC7-49F212C05ED6}" type="datetimeFigureOut">
               <a:rPr lang="zh-CN" altLang="en-US" smtClean="0"/>
               <a:t>2024/3/10</a:t>
             </a:fld>
@@ -2075,7 +2075,7 @@
           <p:cNvPr id="3" name="页脚占位符 2">
             <a:extLst>
               <a:ext uri="{FF2B5EF4-FFF2-40B4-BE49-F238E27FC236}">
-                <a16:creationId xmlns:a16="http://schemas.microsoft.com/office/drawing/2014/main" id="{675E128D-7B57-D04B-A1A9-813A67E85EF7}"/>
+                <a16:creationId xmlns:a16="http://schemas.microsoft.com/office/drawing/2014/main" id="{B4C9C6F2-6171-2E93-72E4-7CD88F6F4389}"/>
               </a:ext>
             </a:extLst>
           </p:cNvPr>
@@ -2100,7 +2100,7 @@
           <p:cNvPr id="4" name="灯片编号占位符 3">
             <a:extLst>
               <a:ext uri="{FF2B5EF4-FFF2-40B4-BE49-F238E27FC236}">
-                <a16:creationId xmlns:a16="http://schemas.microsoft.com/office/drawing/2014/main" id="{C40C9D3B-0B97-C9EF-F207-DCB46C7981D2}"/>
+                <a16:creationId xmlns:a16="http://schemas.microsoft.com/office/drawing/2014/main" id="{AD67ED75-9490-8B2F-961A-4446B18ED2EE}"/>
               </a:ext>
             </a:extLst>
           </p:cNvPr>
@@ -2116,7 +2116,7 @@
           <a:bodyPr/>
           <a:lstStyle/>
           <a:p>
-            <a:fld id="{9375C9CA-5254-4FBA-A789-D3A7ABF7D217}" type="slidenum">
+            <a:fld id="{C228B354-FACF-4BB6-B528-4391BC263128}" type="slidenum">
               <a:rPr lang="zh-CN" altLang="en-US" smtClean="0"/>
               <a:t>‹#›</a:t>
             </a:fld>
@@ -2127,7 +2127,7 @@
     </p:spTree>
     <p:extLst>
       <p:ext uri="{BB962C8B-B14F-4D97-AF65-F5344CB8AC3E}">
-        <p14:creationId xmlns:p14="http://schemas.microsoft.com/office/powerpoint/2010/main" val="3484766119"/>
+        <p14:creationId xmlns:p14="http://schemas.microsoft.com/office/powerpoint/2010/main" val="1844289475"/>
       </p:ext>
     </p:extLst>
   </p:cSld>
@@ -2159,7 +2159,7 @@
           <p:cNvPr id="2" name="标题 1">
             <a:extLst>
               <a:ext uri="{FF2B5EF4-FFF2-40B4-BE49-F238E27FC236}">
-                <a16:creationId xmlns:a16="http://schemas.microsoft.com/office/drawing/2014/main" id="{A7C1924C-D4D0-75A1-1C38-F534113E5DF4}"/>
+                <a16:creationId xmlns:a16="http://schemas.microsoft.com/office/drawing/2014/main" id="{3D9E8299-22C1-95D8-4243-F6B86FD1C57E}"/>
               </a:ext>
             </a:extLst>
           </p:cNvPr>
@@ -2196,7 +2196,7 @@
           <p:cNvPr id="3" name="内容占位符 2">
             <a:extLst>
               <a:ext uri="{FF2B5EF4-FFF2-40B4-BE49-F238E27FC236}">
-                <a16:creationId xmlns:a16="http://schemas.microsoft.com/office/drawing/2014/main" id="{0351E5F6-6C21-C716-548A-07A3D24E418C}"/>
+                <a16:creationId xmlns:a16="http://schemas.microsoft.com/office/drawing/2014/main" id="{06F21742-90A6-D138-8E63-6A100F1C29FB}"/>
               </a:ext>
             </a:extLst>
           </p:cNvPr>
@@ -2286,7 +2286,7 @@
           <p:cNvPr id="4" name="文本占位符 3">
             <a:extLst>
               <a:ext uri="{FF2B5EF4-FFF2-40B4-BE49-F238E27FC236}">
-                <a16:creationId xmlns:a16="http://schemas.microsoft.com/office/drawing/2014/main" id="{304E0578-E7CE-A10C-FE75-F3B9F4C09CDC}"/>
+                <a16:creationId xmlns:a16="http://schemas.microsoft.com/office/drawing/2014/main" id="{A2FA7673-0164-5DAD-683D-7CC21143D353}"/>
               </a:ext>
             </a:extLst>
           </p:cNvPr>
@@ -2357,7 +2357,7 @@
           <p:cNvPr id="5" name="日期占位符 4">
             <a:extLst>
               <a:ext uri="{FF2B5EF4-FFF2-40B4-BE49-F238E27FC236}">
-                <a16:creationId xmlns:a16="http://schemas.microsoft.com/office/drawing/2014/main" id="{9988E1A1-9628-A6D1-76A4-D0EEFED7BFFB}"/>
+                <a16:creationId xmlns:a16="http://schemas.microsoft.com/office/drawing/2014/main" id="{07DBC87B-DDAC-2769-DF74-BEF39AD7E498}"/>
               </a:ext>
             </a:extLst>
           </p:cNvPr>
@@ -2373,7 +2373,7 @@
           <a:bodyPr/>
           <a:lstStyle/>
           <a:p>
-            <a:fld id="{754FA68F-6DC2-4EED-8D53-88139F9467AD}" type="datetimeFigureOut">
+            <a:fld id="{5C56F8B9-26AD-4C47-8DC7-49F212C05ED6}" type="datetimeFigureOut">
               <a:rPr lang="zh-CN" altLang="en-US" smtClean="0"/>
               <a:t>2024/3/10</a:t>
             </a:fld>
@@ -2386,7 +2386,7 @@
           <p:cNvPr id="6" name="页脚占位符 5">
             <a:extLst>
               <a:ext uri="{FF2B5EF4-FFF2-40B4-BE49-F238E27FC236}">
-                <a16:creationId xmlns:a16="http://schemas.microsoft.com/office/drawing/2014/main" id="{49F94FE7-9A86-7B58-B144-5C177E7D40E4}"/>
+                <a16:creationId xmlns:a16="http://schemas.microsoft.com/office/drawing/2014/main" id="{9B8AE8CB-8FEB-C755-72E8-54C6363CFEA3}"/>
               </a:ext>
             </a:extLst>
           </p:cNvPr>
@@ -2411,7 +2411,7 @@
           <p:cNvPr id="7" name="灯片编号占位符 6">
             <a:extLst>
               <a:ext uri="{FF2B5EF4-FFF2-40B4-BE49-F238E27FC236}">
-                <a16:creationId xmlns:a16="http://schemas.microsoft.com/office/drawing/2014/main" id="{BD75F469-D400-A6BD-A9D1-1661DFD3BE3F}"/>
+                <a16:creationId xmlns:a16="http://schemas.microsoft.com/office/drawing/2014/main" id="{221420BA-8884-B8EF-80B0-39FEAE7C3B3E}"/>
               </a:ext>
             </a:extLst>
           </p:cNvPr>
@@ -2427,7 +2427,7 @@
           <a:bodyPr/>
           <a:lstStyle/>
           <a:p>
-            <a:fld id="{9375C9CA-5254-4FBA-A789-D3A7ABF7D217}" type="slidenum">
+            <a:fld id="{C228B354-FACF-4BB6-B528-4391BC263128}" type="slidenum">
               <a:rPr lang="zh-CN" altLang="en-US" smtClean="0"/>
               <a:t>‹#›</a:t>
             </a:fld>
@@ -2438,7 +2438,7 @@
     </p:spTree>
     <p:extLst>
       <p:ext uri="{BB962C8B-B14F-4D97-AF65-F5344CB8AC3E}">
-        <p14:creationId xmlns:p14="http://schemas.microsoft.com/office/powerpoint/2010/main" val="1942969438"/>
+        <p14:creationId xmlns:p14="http://schemas.microsoft.com/office/powerpoint/2010/main" val="1351042052"/>
       </p:ext>
     </p:extLst>
   </p:cSld>
@@ -2470,7 +2470,7 @@
           <p:cNvPr id="2" name="标题 1">
             <a:extLst>
               <a:ext uri="{FF2B5EF4-FFF2-40B4-BE49-F238E27FC236}">
-                <a16:creationId xmlns:a16="http://schemas.microsoft.com/office/drawing/2014/main" id="{0579C17A-52AD-D411-52D8-B54D06D84991}"/>
+                <a16:creationId xmlns:a16="http://schemas.microsoft.com/office/drawing/2014/main" id="{944F41D6-16AF-1E83-2D77-BA9B7D4647E2}"/>
               </a:ext>
             </a:extLst>
           </p:cNvPr>
@@ -2507,7 +2507,7 @@
           <p:cNvPr id="3" name="图片占位符 2">
             <a:extLst>
               <a:ext uri="{FF2B5EF4-FFF2-40B4-BE49-F238E27FC236}">
-                <a16:creationId xmlns:a16="http://schemas.microsoft.com/office/drawing/2014/main" id="{19A57EF6-2023-E4D3-E290-91E20E1D9735}"/>
+                <a16:creationId xmlns:a16="http://schemas.microsoft.com/office/drawing/2014/main" id="{76744E18-6CB0-FA78-E249-C9E44DCB1227}"/>
               </a:ext>
             </a:extLst>
           </p:cNvPr>
@@ -2574,7 +2574,7 @@
           <p:cNvPr id="4" name="文本占位符 3">
             <a:extLst>
               <a:ext uri="{FF2B5EF4-FFF2-40B4-BE49-F238E27FC236}">
-                <a16:creationId xmlns:a16="http://schemas.microsoft.com/office/drawing/2014/main" id="{EA4CCFB2-E5B9-D5EA-38C1-6859561FBE36}"/>
+                <a16:creationId xmlns:a16="http://schemas.microsoft.com/office/drawing/2014/main" id="{06A31D08-5749-ADBE-2BA9-3DA4E83E69D7}"/>
               </a:ext>
             </a:extLst>
           </p:cNvPr>
@@ -2645,7 +2645,7 @@
           <p:cNvPr id="5" name="日期占位符 4">
             <a:extLst>
               <a:ext uri="{FF2B5EF4-FFF2-40B4-BE49-F238E27FC236}">
-                <a16:creationId xmlns:a16="http://schemas.microsoft.com/office/drawing/2014/main" id="{757A5FB8-EC70-EAA0-C8C5-89E1E919BA42}"/>
+                <a16:creationId xmlns:a16="http://schemas.microsoft.com/office/drawing/2014/main" id="{C7315840-95FC-3E89-17B3-4F04DE498801}"/>
               </a:ext>
             </a:extLst>
           </p:cNvPr>
@@ -2661,7 +2661,7 @@
           <a:bodyPr/>
           <a:lstStyle/>
           <a:p>
-            <a:fld id="{754FA68F-6DC2-4EED-8D53-88139F9467AD}" type="datetimeFigureOut">
+            <a:fld id="{5C56F8B9-26AD-4C47-8DC7-49F212C05ED6}" type="datetimeFigureOut">
               <a:rPr lang="zh-CN" altLang="en-US" smtClean="0"/>
               <a:t>2024/3/10</a:t>
             </a:fld>
@@ -2674,7 +2674,7 @@
           <p:cNvPr id="6" name="页脚占位符 5">
             <a:extLst>
               <a:ext uri="{FF2B5EF4-FFF2-40B4-BE49-F238E27FC236}">
-                <a16:creationId xmlns:a16="http://schemas.microsoft.com/office/drawing/2014/main" id="{C338229E-7CA0-4ADE-4FAA-B3C672CA271C}"/>
+                <a16:creationId xmlns:a16="http://schemas.microsoft.com/office/drawing/2014/main" id="{EC49116C-5C21-70DD-067F-25252A28DEC6}"/>
               </a:ext>
             </a:extLst>
           </p:cNvPr>
@@ -2699,7 +2699,7 @@
           <p:cNvPr id="7" name="灯片编号占位符 6">
             <a:extLst>
               <a:ext uri="{FF2B5EF4-FFF2-40B4-BE49-F238E27FC236}">
-                <a16:creationId xmlns:a16="http://schemas.microsoft.com/office/drawing/2014/main" id="{C93E7E91-8959-D911-7602-17FC15CFBAE9}"/>
+                <a16:creationId xmlns:a16="http://schemas.microsoft.com/office/drawing/2014/main" id="{3D82BDB2-EF4D-74DE-5DE1-22052B04A893}"/>
               </a:ext>
             </a:extLst>
           </p:cNvPr>
@@ -2715,7 +2715,7 @@
           <a:bodyPr/>
           <a:lstStyle/>
           <a:p>
-            <a:fld id="{9375C9CA-5254-4FBA-A789-D3A7ABF7D217}" type="slidenum">
+            <a:fld id="{C228B354-FACF-4BB6-B528-4391BC263128}" type="slidenum">
               <a:rPr lang="zh-CN" altLang="en-US" smtClean="0"/>
               <a:t>‹#›</a:t>
             </a:fld>
@@ -2726,7 +2726,7 @@
     </p:spTree>
     <p:extLst>
       <p:ext uri="{BB962C8B-B14F-4D97-AF65-F5344CB8AC3E}">
-        <p14:creationId xmlns:p14="http://schemas.microsoft.com/office/powerpoint/2010/main" val="3536701246"/>
+        <p14:creationId xmlns:p14="http://schemas.microsoft.com/office/powerpoint/2010/main" val="202089531"/>
       </p:ext>
     </p:extLst>
   </p:cSld>
@@ -2763,7 +2763,7 @@
           <p:cNvPr id="2" name="标题占位符 1">
             <a:extLst>
               <a:ext uri="{FF2B5EF4-FFF2-40B4-BE49-F238E27FC236}">
-                <a16:creationId xmlns:a16="http://schemas.microsoft.com/office/drawing/2014/main" id="{DA30F62E-6C45-E3F9-135D-4F20A9A5616A}"/>
+                <a16:creationId xmlns:a16="http://schemas.microsoft.com/office/drawing/2014/main" id="{E9BCBA17-372D-8C60-DB58-1C48AF9972E9}"/>
               </a:ext>
             </a:extLst>
           </p:cNvPr>
@@ -2801,7 +2801,7 @@
           <p:cNvPr id="3" name="文本占位符 2">
             <a:extLst>
               <a:ext uri="{FF2B5EF4-FFF2-40B4-BE49-F238E27FC236}">
-                <a16:creationId xmlns:a16="http://schemas.microsoft.com/office/drawing/2014/main" id="{FA871662-AE2B-8275-8867-DA3911A0105A}"/>
+                <a16:creationId xmlns:a16="http://schemas.microsoft.com/office/drawing/2014/main" id="{DFD83180-3261-691C-5A69-DA95A23DB16D}"/>
               </a:ext>
             </a:extLst>
           </p:cNvPr>
@@ -2868,7 +2868,7 @@
           <p:cNvPr id="4" name="日期占位符 3">
             <a:extLst>
               <a:ext uri="{FF2B5EF4-FFF2-40B4-BE49-F238E27FC236}">
-                <a16:creationId xmlns:a16="http://schemas.microsoft.com/office/drawing/2014/main" id="{E89D577D-F412-4EEA-5D2E-798D2EF9118F}"/>
+                <a16:creationId xmlns:a16="http://schemas.microsoft.com/office/drawing/2014/main" id="{7E2B6C17-A438-AFB6-9229-BBBC4DECDE71}"/>
               </a:ext>
             </a:extLst>
           </p:cNvPr>
@@ -2902,7 +2902,7 @@
             </a:lvl1pPr>
           </a:lstStyle>
           <a:p>
-            <a:fld id="{754FA68F-6DC2-4EED-8D53-88139F9467AD}" type="datetimeFigureOut">
+            <a:fld id="{5C56F8B9-26AD-4C47-8DC7-49F212C05ED6}" type="datetimeFigureOut">
               <a:rPr lang="zh-CN" altLang="en-US" smtClean="0"/>
               <a:t>2024/3/10</a:t>
             </a:fld>
@@ -2915,7 +2915,7 @@
           <p:cNvPr id="5" name="页脚占位符 4">
             <a:extLst>
               <a:ext uri="{FF2B5EF4-FFF2-40B4-BE49-F238E27FC236}">
-                <a16:creationId xmlns:a16="http://schemas.microsoft.com/office/drawing/2014/main" id="{5D32B8CE-FC25-5385-2BB2-E4B5A1830BAB}"/>
+                <a16:creationId xmlns:a16="http://schemas.microsoft.com/office/drawing/2014/main" id="{2C34C026-D65D-6966-8265-EDEE83F17917}"/>
               </a:ext>
             </a:extLst>
           </p:cNvPr>
@@ -2958,7 +2958,7 @@
           <p:cNvPr id="6" name="灯片编号占位符 5">
             <a:extLst>
               <a:ext uri="{FF2B5EF4-FFF2-40B4-BE49-F238E27FC236}">
-                <a16:creationId xmlns:a16="http://schemas.microsoft.com/office/drawing/2014/main" id="{B096FA73-F46C-E502-AB1F-C62A9F9ADE66}"/>
+                <a16:creationId xmlns:a16="http://schemas.microsoft.com/office/drawing/2014/main" id="{0F6140E0-7D96-E121-FA0D-690D0B7E6E96}"/>
               </a:ext>
             </a:extLst>
           </p:cNvPr>
@@ -2992,7 +2992,7 @@
             </a:lvl1pPr>
           </a:lstStyle>
           <a:p>
-            <a:fld id="{9375C9CA-5254-4FBA-A789-D3A7ABF7D217}" type="slidenum">
+            <a:fld id="{C228B354-FACF-4BB6-B528-4391BC263128}" type="slidenum">
               <a:rPr lang="zh-CN" altLang="en-US" smtClean="0"/>
               <a:t>‹#›</a:t>
             </a:fld>
@@ -3003,7 +3003,7 @@
     </p:spTree>
     <p:extLst>
       <p:ext uri="{BB962C8B-B14F-4D97-AF65-F5344CB8AC3E}">
-        <p14:creationId xmlns:p14="http://schemas.microsoft.com/office/powerpoint/2010/main" val="3841246613"/>
+        <p14:creationId xmlns:p14="http://schemas.microsoft.com/office/powerpoint/2010/main" val="351740244"/>
       </p:ext>
     </p:extLst>
   </p:cSld>
